--- a/論文/figures/figures with bar.pptx
+++ b/論文/figures/figures with bar.pptx
@@ -5,16 +5,14 @@
     <p:sldMasterId id="2147483660" r:id="rId1"/>
   </p:sldMasterIdLst>
   <p:handoutMasterIdLst>
-    <p:handoutMasterId r:id="rId9"/>
+    <p:handoutMasterId r:id="rId7"/>
   </p:handoutMasterIdLst>
   <p:sldIdLst>
-    <p:sldId id="284" r:id="rId2"/>
-    <p:sldId id="283" r:id="rId3"/>
-    <p:sldId id="274" r:id="rId4"/>
-    <p:sldId id="276" r:id="rId5"/>
-    <p:sldId id="278" r:id="rId6"/>
-    <p:sldId id="279" r:id="rId7"/>
-    <p:sldId id="271" r:id="rId8"/>
+    <p:sldId id="274" r:id="rId2"/>
+    <p:sldId id="276" r:id="rId3"/>
+    <p:sldId id="278" r:id="rId4"/>
+    <p:sldId id="279" r:id="rId5"/>
+    <p:sldId id="271" r:id="rId6"/>
   </p:sldIdLst>
   <p:sldSz cx="6858000" cy="9906000" type="A4"/>
   <p:notesSz cx="9144000" cy="6858000"/>
@@ -3435,247 +3433,6 @@
       </p:grpSpPr>
       <p:pic>
         <p:nvPicPr>
-          <p:cNvPr id="4" name="図 3">
-            <a:extLst>
-              <a:ext uri="{FF2B5EF4-FFF2-40B4-BE49-F238E27FC236}">
-                <a16:creationId xmlns:a16="http://schemas.microsoft.com/office/drawing/2014/main" id="{302C1514-DB19-C840-B74D-7CF67DCBC311}"/>
-              </a:ext>
-            </a:extLst>
-          </p:cNvPr>
-          <p:cNvPicPr>
-            <a:picLocks noChangeAspect="1"/>
-          </p:cNvPicPr>
-          <p:nvPr/>
-        </p:nvPicPr>
-        <p:blipFill rotWithShape="1">
-          <a:blip r:embed="rId2">
-            <a:extLst>
-              <a:ext uri="{28A0092B-C50C-407E-A947-70E740481C1C}">
-                <a14:useLocalDpi xmlns:a14="http://schemas.microsoft.com/office/drawing/2010/main" val="0"/>
-              </a:ext>
-            </a:extLst>
-          </a:blip>
-          <a:srcRect l="12043" t="24973" r="22614" b="11506"/>
-          <a:stretch/>
-        </p:blipFill>
-        <p:spPr>
-          <a:xfrm>
-            <a:off x="1292352" y="2523744"/>
-            <a:ext cx="3938016" cy="3828288"/>
-          </a:xfrm>
-          <a:prstGeom prst="rect">
-            <a:avLst/>
-          </a:prstGeom>
-        </p:spPr>
-      </p:pic>
-      <p:sp>
-        <p:nvSpPr>
-          <p:cNvPr id="5" name="テキスト ボックス 4"/>
-          <p:cNvSpPr txBox="1"/>
-          <p:nvPr/>
-        </p:nvSpPr>
-        <p:spPr>
-          <a:xfrm>
-            <a:off x="498435" y="7045444"/>
-            <a:ext cx="5964709" cy="369332"/>
-          </a:xfrm>
-          <a:prstGeom prst="rect">
-            <a:avLst/>
-          </a:prstGeom>
-          <a:noFill/>
-        </p:spPr>
-        <p:txBody>
-          <a:bodyPr wrap="square" rtlCol="0">
-            <a:spAutoFit/>
-          </a:bodyPr>
-          <a:lstStyle/>
-          <a:p>
-            <a:pPr algn="ctr"/>
-            <a:r>
-              <a:rPr kumimoji="1" lang="en-US" altLang="ja-JP" dirty="0">
-                <a:latin typeface="Times New Roman" panose="02020603050405020304" pitchFamily="18" charset="0"/>
-                <a:cs typeface="Times New Roman" panose="02020603050405020304" pitchFamily="18" charset="0"/>
-              </a:rPr>
-              <a:t>Figure 1. Schematic diagram</a:t>
-            </a:r>
-            <a:endParaRPr kumimoji="1" lang="ja-JP" altLang="en-US" dirty="0">
-              <a:latin typeface="Times New Roman" panose="02020603050405020304" pitchFamily="18" charset="0"/>
-              <a:cs typeface="Times New Roman" panose="02020603050405020304" pitchFamily="18" charset="0"/>
-            </a:endParaRPr>
-          </a:p>
-        </p:txBody>
-      </p:sp>
-      <p:pic>
-        <p:nvPicPr>
-          <p:cNvPr id="6" name="図 5">
-            <a:extLst>
-              <a:ext uri="{FF2B5EF4-FFF2-40B4-BE49-F238E27FC236}">
-                <a16:creationId xmlns:a16="http://schemas.microsoft.com/office/drawing/2014/main" id="{302C1514-DB19-C840-B74D-7CF67DCBC311}"/>
-              </a:ext>
-            </a:extLst>
-          </p:cNvPr>
-          <p:cNvPicPr>
-            <a:picLocks noChangeAspect="1"/>
-          </p:cNvPicPr>
-          <p:nvPr/>
-        </p:nvPicPr>
-        <p:blipFill rotWithShape="1">
-          <a:blip r:embed="rId2">
-            <a:extLst>
-              <a:ext uri="{28A0092B-C50C-407E-A947-70E740481C1C}">
-                <a14:useLocalDpi xmlns:a14="http://schemas.microsoft.com/office/drawing/2010/main" val="0"/>
-              </a:ext>
-            </a:extLst>
-          </a:blip>
-          <a:srcRect l="74959" t="89505" r="5216" b="3819"/>
-          <a:stretch/>
-        </p:blipFill>
-        <p:spPr>
-          <a:xfrm>
-            <a:off x="4035552" y="5949696"/>
-            <a:ext cx="1194816" cy="402336"/>
-          </a:xfrm>
-          <a:prstGeom prst="rect">
-            <a:avLst/>
-          </a:prstGeom>
-        </p:spPr>
-      </p:pic>
-    </p:spTree>
-    <p:extLst>
-      <p:ext uri="{BB962C8B-B14F-4D97-AF65-F5344CB8AC3E}">
-        <p14:creationId xmlns:p14="http://schemas.microsoft.com/office/powerpoint/2010/main" val="3430467276"/>
-      </p:ext>
-    </p:extLst>
-  </p:cSld>
-  <p:clrMapOvr>
-    <a:masterClrMapping/>
-  </p:clrMapOvr>
-</p:sld>
-</file>
-
-<file path=ppt/slides/slide2.xml><?xml version="1.0" encoding="utf-8"?>
-<p:sld xmlns:a="http://schemas.openxmlformats.org/drawingml/2006/main" xmlns:r="http://schemas.openxmlformats.org/officeDocument/2006/relationships" xmlns:p="http://schemas.openxmlformats.org/presentationml/2006/main">
-  <p:cSld>
-    <p:spTree>
-      <p:nvGrpSpPr>
-        <p:cNvPr id="1" name=""/>
-        <p:cNvGrpSpPr/>
-        <p:nvPr/>
-      </p:nvGrpSpPr>
-      <p:grpSpPr>
-        <a:xfrm>
-          <a:off x="0" y="0"/>
-          <a:ext cx="0" cy="0"/>
-          <a:chOff x="0" y="0"/>
-          <a:chExt cx="0" cy="0"/>
-        </a:xfrm>
-      </p:grpSpPr>
-      <p:pic>
-        <p:nvPicPr>
-          <p:cNvPr id="2" name="図 1"/>
-          <p:cNvPicPr>
-            <a:picLocks noChangeAspect="1"/>
-          </p:cNvPicPr>
-          <p:nvPr/>
-        </p:nvPicPr>
-        <p:blipFill>
-          <a:blip r:embed="rId2">
-            <a:extLst>
-              <a:ext uri="{28A0092B-C50C-407E-A947-70E740481C1C}">
-                <a14:useLocalDpi xmlns:a14="http://schemas.microsoft.com/office/drawing/2010/main" val="0"/>
-              </a:ext>
-            </a:extLst>
-          </a:blip>
-          <a:stretch>
-            <a:fillRect/>
-          </a:stretch>
-        </p:blipFill>
-        <p:spPr>
-          <a:xfrm>
-            <a:off x="0" y="2634443"/>
-            <a:ext cx="6858000" cy="3857625"/>
-          </a:xfrm>
-          <a:prstGeom prst="rect">
-            <a:avLst/>
-          </a:prstGeom>
-        </p:spPr>
-      </p:pic>
-      <p:sp>
-        <p:nvSpPr>
-          <p:cNvPr id="3" name="テキスト ボックス 2"/>
-          <p:cNvSpPr txBox="1"/>
-          <p:nvPr/>
-        </p:nvSpPr>
-        <p:spPr>
-          <a:xfrm>
-            <a:off x="446645" y="6492068"/>
-            <a:ext cx="5964709" cy="369332"/>
-          </a:xfrm>
-          <a:prstGeom prst="rect">
-            <a:avLst/>
-          </a:prstGeom>
-          <a:noFill/>
-        </p:spPr>
-        <p:txBody>
-          <a:bodyPr wrap="square" rtlCol="0">
-            <a:spAutoFit/>
-          </a:bodyPr>
-          <a:lstStyle/>
-          <a:p>
-            <a:pPr algn="ctr"/>
-            <a:r>
-              <a:rPr kumimoji="1" lang="en-US" altLang="ja-JP" dirty="0">
-                <a:latin typeface="Times New Roman" panose="02020603050405020304" pitchFamily="18" charset="0"/>
-                <a:cs typeface="Times New Roman" panose="02020603050405020304" pitchFamily="18" charset="0"/>
-              </a:rPr>
-              <a:t>Figure </a:t>
-            </a:r>
-            <a:r>
-              <a:rPr lang="en-US" altLang="ja-JP" dirty="0">
-                <a:latin typeface="Times New Roman" panose="02020603050405020304" pitchFamily="18" charset="0"/>
-                <a:cs typeface="Times New Roman" panose="02020603050405020304" pitchFamily="18" charset="0"/>
-              </a:rPr>
-              <a:t>2. SDF and IBM</a:t>
-            </a:r>
-            <a:endParaRPr kumimoji="1" lang="ja-JP" altLang="en-US" dirty="0">
-              <a:latin typeface="Times New Roman" panose="02020603050405020304" pitchFamily="18" charset="0"/>
-              <a:cs typeface="Times New Roman" panose="02020603050405020304" pitchFamily="18" charset="0"/>
-            </a:endParaRPr>
-          </a:p>
-        </p:txBody>
-      </p:sp>
-    </p:spTree>
-    <p:extLst>
-      <p:ext uri="{BB962C8B-B14F-4D97-AF65-F5344CB8AC3E}">
-        <p14:creationId xmlns:p14="http://schemas.microsoft.com/office/powerpoint/2010/main" val="499531053"/>
-      </p:ext>
-    </p:extLst>
-  </p:cSld>
-  <p:clrMapOvr>
-    <a:masterClrMapping/>
-  </p:clrMapOvr>
-</p:sld>
-</file>
-
-<file path=ppt/slides/slide3.xml><?xml version="1.0" encoding="utf-8"?>
-<p:sld xmlns:a="http://schemas.openxmlformats.org/drawingml/2006/main" xmlns:r="http://schemas.openxmlformats.org/officeDocument/2006/relationships" xmlns:p="http://schemas.openxmlformats.org/presentationml/2006/main">
-  <p:cSld>
-    <p:spTree>
-      <p:nvGrpSpPr>
-        <p:cNvPr id="1" name=""/>
-        <p:cNvGrpSpPr/>
-        <p:nvPr/>
-      </p:nvGrpSpPr>
-      <p:grpSpPr>
-        <a:xfrm>
-          <a:off x="0" y="0"/>
-          <a:ext cx="0" cy="0"/>
-          <a:chOff x="0" y="0"/>
-          <a:chExt cx="0" cy="0"/>
-        </a:xfrm>
-      </p:grpSpPr>
-      <p:pic>
-        <p:nvPicPr>
           <p:cNvPr id="5" name="図 4">
             <a:extLst>
               <a:ext uri="{FF2B5EF4-FFF2-40B4-BE49-F238E27FC236}">
@@ -3757,7 +3514,7 @@
 </p:sld>
 </file>
 
-<file path=ppt/slides/slide4.xml><?xml version="1.0" encoding="utf-8"?>
+<file path=ppt/slides/slide2.xml><?xml version="1.0" encoding="utf-8"?>
 <p:sld xmlns:a="http://schemas.openxmlformats.org/drawingml/2006/main" xmlns:r="http://schemas.openxmlformats.org/officeDocument/2006/relationships" xmlns:p="http://schemas.openxmlformats.org/presentationml/2006/main">
   <p:cSld>
     <p:spTree>
@@ -3901,7 +3658,7 @@
 </p:sld>
 </file>
 
-<file path=ppt/slides/slide5.xml><?xml version="1.0" encoding="utf-8"?>
+<file path=ppt/slides/slide3.xml><?xml version="1.0" encoding="utf-8"?>
 <p:sld xmlns:a="http://schemas.openxmlformats.org/drawingml/2006/main" xmlns:r="http://schemas.openxmlformats.org/officeDocument/2006/relationships" xmlns:p="http://schemas.openxmlformats.org/presentationml/2006/main">
   <p:cSld>
     <p:spTree>
@@ -4045,7 +3802,7 @@
 </p:sld>
 </file>
 
-<file path=ppt/slides/slide6.xml><?xml version="1.0" encoding="utf-8"?>
+<file path=ppt/slides/slide4.xml><?xml version="1.0" encoding="utf-8"?>
 <p:sld xmlns:a="http://schemas.openxmlformats.org/drawingml/2006/main" xmlns:r="http://schemas.openxmlformats.org/officeDocument/2006/relationships" xmlns:p="http://schemas.openxmlformats.org/presentationml/2006/main">
   <p:cSld>
     <p:spTree>
@@ -4189,7 +3946,7 @@
 </p:sld>
 </file>
 
-<file path=ppt/slides/slide7.xml><?xml version="1.0" encoding="utf-8"?>
+<file path=ppt/slides/slide5.xml><?xml version="1.0" encoding="utf-8"?>
 <p:sld xmlns:a="http://schemas.openxmlformats.org/drawingml/2006/main" xmlns:r="http://schemas.openxmlformats.org/officeDocument/2006/relationships" xmlns:p="http://schemas.openxmlformats.org/presentationml/2006/main">
   <p:cSld>
     <p:spTree>

--- a/論文/figures/figures with bar.pptx
+++ b/論文/figures/figures with bar.pptx
@@ -5,7 +5,7 @@
     <p:sldMasterId id="2147483660" r:id="rId1"/>
   </p:sldMasterIdLst>
   <p:handoutMasterIdLst>
-    <p:handoutMasterId r:id="rId7"/>
+    <p:handoutMasterId r:id="rId8"/>
   </p:handoutMasterIdLst>
   <p:sldIdLst>
     <p:sldId id="274" r:id="rId2"/>
@@ -13,6 +13,7 @@
     <p:sldId id="278" r:id="rId4"/>
     <p:sldId id="279" r:id="rId5"/>
     <p:sldId id="271" r:id="rId6"/>
+    <p:sldId id="280" r:id="rId7"/>
   </p:sldIdLst>
   <p:sldSz cx="6858000" cy="9906000" type="A4"/>
   <p:notesSz cx="9144000" cy="6858000"/>
@@ -201,7 +202,7 @@
           <a:p>
             <a:fld id="{CF2BC990-631B-44C0-9708-8FFAA36D913C}" type="datetimeFigureOut">
               <a:rPr kumimoji="1" lang="ja-JP" altLang="en-US" smtClean="0"/>
-              <a:t>2020/2/27</a:t>
+              <a:t>2020/3/3</a:t>
             </a:fld>
             <a:endParaRPr kumimoji="1" lang="ja-JP" altLang="en-US"/>
           </a:p>
@@ -415,7 +416,7 @@
           <a:p>
             <a:fld id="{0BA0E0C8-02F0-4E03-83F6-93C841C817A4}" type="datetimeFigureOut">
               <a:rPr kumimoji="1" lang="ja-JP" altLang="en-US" smtClean="0"/>
-              <a:t>2020/2/27</a:t>
+              <a:t>2020/3/3</a:t>
             </a:fld>
             <a:endParaRPr kumimoji="1" lang="ja-JP" altLang="en-US"/>
           </a:p>
@@ -617,7 +618,7 @@
           <a:p>
             <a:fld id="{0BA0E0C8-02F0-4E03-83F6-93C841C817A4}" type="datetimeFigureOut">
               <a:rPr kumimoji="1" lang="ja-JP" altLang="en-US" smtClean="0"/>
-              <a:t>2020/2/27</a:t>
+              <a:t>2020/3/3</a:t>
             </a:fld>
             <a:endParaRPr kumimoji="1" lang="ja-JP" altLang="en-US"/>
           </a:p>
@@ -829,7 +830,7 @@
           <a:p>
             <a:fld id="{0BA0E0C8-02F0-4E03-83F6-93C841C817A4}" type="datetimeFigureOut">
               <a:rPr kumimoji="1" lang="ja-JP" altLang="en-US" smtClean="0"/>
-              <a:t>2020/2/27</a:t>
+              <a:t>2020/3/3</a:t>
             </a:fld>
             <a:endParaRPr kumimoji="1" lang="ja-JP" altLang="en-US"/>
           </a:p>
@@ -1031,7 +1032,7 @@
           <a:p>
             <a:fld id="{0BA0E0C8-02F0-4E03-83F6-93C841C817A4}" type="datetimeFigureOut">
               <a:rPr kumimoji="1" lang="ja-JP" altLang="en-US" smtClean="0"/>
-              <a:t>2020/2/27</a:t>
+              <a:t>2020/3/3</a:t>
             </a:fld>
             <a:endParaRPr kumimoji="1" lang="ja-JP" altLang="en-US"/>
           </a:p>
@@ -1275,7 +1276,7 @@
           <a:p>
             <a:fld id="{0BA0E0C8-02F0-4E03-83F6-93C841C817A4}" type="datetimeFigureOut">
               <a:rPr kumimoji="1" lang="ja-JP" altLang="en-US" smtClean="0"/>
-              <a:t>2020/2/27</a:t>
+              <a:t>2020/3/3</a:t>
             </a:fld>
             <a:endParaRPr kumimoji="1" lang="ja-JP" altLang="en-US"/>
           </a:p>
@@ -1571,7 +1572,7 @@
           <a:p>
             <a:fld id="{0BA0E0C8-02F0-4E03-83F6-93C841C817A4}" type="datetimeFigureOut">
               <a:rPr kumimoji="1" lang="ja-JP" altLang="en-US" smtClean="0"/>
-              <a:t>2020/2/27</a:t>
+              <a:t>2020/3/3</a:t>
             </a:fld>
             <a:endParaRPr kumimoji="1" lang="ja-JP" altLang="en-US"/>
           </a:p>
@@ -2002,7 +2003,7 @@
           <a:p>
             <a:fld id="{0BA0E0C8-02F0-4E03-83F6-93C841C817A4}" type="datetimeFigureOut">
               <a:rPr kumimoji="1" lang="ja-JP" altLang="en-US" smtClean="0"/>
-              <a:t>2020/2/27</a:t>
+              <a:t>2020/3/3</a:t>
             </a:fld>
             <a:endParaRPr kumimoji="1" lang="ja-JP" altLang="en-US"/>
           </a:p>
@@ -2120,7 +2121,7 @@
           <a:p>
             <a:fld id="{0BA0E0C8-02F0-4E03-83F6-93C841C817A4}" type="datetimeFigureOut">
               <a:rPr kumimoji="1" lang="ja-JP" altLang="en-US" smtClean="0"/>
-              <a:t>2020/2/27</a:t>
+              <a:t>2020/3/3</a:t>
             </a:fld>
             <a:endParaRPr kumimoji="1" lang="ja-JP" altLang="en-US"/>
           </a:p>
@@ -2215,7 +2216,7 @@
           <a:p>
             <a:fld id="{0BA0E0C8-02F0-4E03-83F6-93C841C817A4}" type="datetimeFigureOut">
               <a:rPr kumimoji="1" lang="ja-JP" altLang="en-US" smtClean="0"/>
-              <a:t>2020/2/27</a:t>
+              <a:t>2020/3/3</a:t>
             </a:fld>
             <a:endParaRPr kumimoji="1" lang="ja-JP" altLang="en-US"/>
           </a:p>
@@ -2524,7 +2525,7 @@
           <a:p>
             <a:fld id="{0BA0E0C8-02F0-4E03-83F6-93C841C817A4}" type="datetimeFigureOut">
               <a:rPr kumimoji="1" lang="ja-JP" altLang="en-US" smtClean="0"/>
-              <a:t>2020/2/27</a:t>
+              <a:t>2020/3/3</a:t>
             </a:fld>
             <a:endParaRPr kumimoji="1" lang="ja-JP" altLang="en-US"/>
           </a:p>
@@ -2781,7 +2782,7 @@
           <a:p>
             <a:fld id="{0BA0E0C8-02F0-4E03-83F6-93C841C817A4}" type="datetimeFigureOut">
               <a:rPr kumimoji="1" lang="ja-JP" altLang="en-US" smtClean="0"/>
-              <a:t>2020/2/27</a:t>
+              <a:t>2020/3/3</a:t>
             </a:fld>
             <a:endParaRPr kumimoji="1" lang="ja-JP" altLang="en-US"/>
           </a:p>
@@ -3026,7 +3027,7 @@
           <a:p>
             <a:fld id="{0BA0E0C8-02F0-4E03-83F6-93C841C817A4}" type="datetimeFigureOut">
               <a:rPr kumimoji="1" lang="ja-JP" altLang="en-US" smtClean="0"/>
-              <a:t>2020/2/27</a:t>
+              <a:t>2020/3/3</a:t>
             </a:fld>
             <a:endParaRPr kumimoji="1" lang="ja-JP" altLang="en-US"/>
           </a:p>
@@ -3566,50 +3567,6 @@
           </a:prstGeom>
         </p:spPr>
       </p:pic>
-      <p:sp>
-        <p:nvSpPr>
-          <p:cNvPr id="41" name="テキスト ボックス 40"/>
-          <p:cNvSpPr txBox="1"/>
-          <p:nvPr/>
-        </p:nvSpPr>
-        <p:spPr>
-          <a:xfrm>
-            <a:off x="527896" y="6750423"/>
-            <a:ext cx="5778000" cy="369332"/>
-          </a:xfrm>
-          <a:prstGeom prst="rect">
-            <a:avLst/>
-          </a:prstGeom>
-          <a:noFill/>
-        </p:spPr>
-        <p:txBody>
-          <a:bodyPr wrap="square" rtlCol="0">
-            <a:spAutoFit/>
-          </a:bodyPr>
-          <a:lstStyle/>
-          <a:p>
-            <a:pPr algn="ctr"/>
-            <a:r>
-              <a:rPr kumimoji="1" lang="en-US" altLang="ja-JP" dirty="0">
-                <a:latin typeface="Times New Roman" panose="02020603050405020304" pitchFamily="18" charset="0"/>
-                <a:cs typeface="Times New Roman" panose="02020603050405020304" pitchFamily="18" charset="0"/>
-              </a:rPr>
-              <a:t>Figure </a:t>
-            </a:r>
-            <a:r>
-              <a:rPr lang="en-US" altLang="ja-JP" dirty="0">
-                <a:latin typeface="Times New Roman" panose="02020603050405020304" pitchFamily="18" charset="0"/>
-                <a:cs typeface="Times New Roman" panose="02020603050405020304" pitchFamily="18" charset="0"/>
-              </a:rPr>
-              <a:t>7. Pressure force</a:t>
-            </a:r>
-            <a:endParaRPr kumimoji="1" lang="ja-JP" altLang="en-US" dirty="0">
-              <a:latin typeface="Times New Roman" panose="02020603050405020304" pitchFamily="18" charset="0"/>
-              <a:cs typeface="Times New Roman" panose="02020603050405020304" pitchFamily="18" charset="0"/>
-            </a:endParaRPr>
-          </a:p>
-        </p:txBody>
-      </p:sp>
       <p:pic>
         <p:nvPicPr>
           <p:cNvPr id="6" name="図 5" descr="文字と写真のスクリーンショット&#10;&#10;自動的に生成された説明">
@@ -3710,50 +3667,6 @@
           </a:prstGeom>
         </p:spPr>
       </p:pic>
-      <p:sp>
-        <p:nvSpPr>
-          <p:cNvPr id="41" name="テキスト ボックス 40"/>
-          <p:cNvSpPr txBox="1"/>
-          <p:nvPr/>
-        </p:nvSpPr>
-        <p:spPr>
-          <a:xfrm>
-            <a:off x="527896" y="6750423"/>
-            <a:ext cx="5778000" cy="369332"/>
-          </a:xfrm>
-          <a:prstGeom prst="rect">
-            <a:avLst/>
-          </a:prstGeom>
-          <a:noFill/>
-        </p:spPr>
-        <p:txBody>
-          <a:bodyPr wrap="square" rtlCol="0">
-            <a:spAutoFit/>
-          </a:bodyPr>
-          <a:lstStyle/>
-          <a:p>
-            <a:pPr algn="ctr"/>
-            <a:r>
-              <a:rPr kumimoji="1" lang="en-US" altLang="ja-JP" dirty="0">
-                <a:latin typeface="Times New Roman" panose="02020603050405020304" pitchFamily="18" charset="0"/>
-                <a:cs typeface="Times New Roman" panose="02020603050405020304" pitchFamily="18" charset="0"/>
-              </a:rPr>
-              <a:t>Figure </a:t>
-            </a:r>
-            <a:r>
-              <a:rPr lang="en-US" altLang="ja-JP" dirty="0">
-                <a:latin typeface="Times New Roman" panose="02020603050405020304" pitchFamily="18" charset="0"/>
-                <a:cs typeface="Times New Roman" panose="02020603050405020304" pitchFamily="18" charset="0"/>
-              </a:rPr>
-              <a:t>13. Drag force</a:t>
-            </a:r>
-            <a:endParaRPr kumimoji="1" lang="ja-JP" altLang="en-US" dirty="0">
-              <a:latin typeface="Times New Roman" panose="02020603050405020304" pitchFamily="18" charset="0"/>
-              <a:cs typeface="Times New Roman" panose="02020603050405020304" pitchFamily="18" charset="0"/>
-            </a:endParaRPr>
-          </a:p>
-        </p:txBody>
-      </p:sp>
       <p:pic>
         <p:nvPicPr>
           <p:cNvPr id="6" name="図 5" descr="文字と写真のスクリーンショット&#10;&#10;自動的に生成された説明">
@@ -3854,50 +3767,6 @@
           </a:prstGeom>
         </p:spPr>
       </p:pic>
-      <p:sp>
-        <p:nvSpPr>
-          <p:cNvPr id="41" name="テキスト ボックス 40"/>
-          <p:cNvSpPr txBox="1"/>
-          <p:nvPr/>
-        </p:nvSpPr>
-        <p:spPr>
-          <a:xfrm>
-            <a:off x="527896" y="6750423"/>
-            <a:ext cx="5778000" cy="369332"/>
-          </a:xfrm>
-          <a:prstGeom prst="rect">
-            <a:avLst/>
-          </a:prstGeom>
-          <a:noFill/>
-        </p:spPr>
-        <p:txBody>
-          <a:bodyPr wrap="square" rtlCol="0">
-            <a:spAutoFit/>
-          </a:bodyPr>
-          <a:lstStyle/>
-          <a:p>
-            <a:pPr algn="ctr"/>
-            <a:r>
-              <a:rPr kumimoji="1" lang="en-US" altLang="ja-JP" dirty="0">
-                <a:latin typeface="Times New Roman" panose="02020603050405020304" pitchFamily="18" charset="0"/>
-                <a:cs typeface="Times New Roman" panose="02020603050405020304" pitchFamily="18" charset="0"/>
-              </a:rPr>
-              <a:t>Figure 14</a:t>
-            </a:r>
-            <a:r>
-              <a:rPr lang="en-US" altLang="ja-JP" dirty="0">
-                <a:latin typeface="Times New Roman" panose="02020603050405020304" pitchFamily="18" charset="0"/>
-                <a:cs typeface="Times New Roman" panose="02020603050405020304" pitchFamily="18" charset="0"/>
-              </a:rPr>
-              <a:t>. Pressure force</a:t>
-            </a:r>
-            <a:endParaRPr kumimoji="1" lang="ja-JP" altLang="en-US" dirty="0">
-              <a:latin typeface="Times New Roman" panose="02020603050405020304" pitchFamily="18" charset="0"/>
-              <a:cs typeface="Times New Roman" panose="02020603050405020304" pitchFamily="18" charset="0"/>
-            </a:endParaRPr>
-          </a:p>
-        </p:txBody>
-      </p:sp>
       <p:pic>
         <p:nvPicPr>
           <p:cNvPr id="6" name="図 5" descr="文字と写真のスクリーンショット&#10;&#10;自動的に生成された説明">
@@ -3998,50 +3867,6 @@
           </a:prstGeom>
         </p:spPr>
       </p:pic>
-      <p:sp>
-        <p:nvSpPr>
-          <p:cNvPr id="41" name="テキスト ボックス 40"/>
-          <p:cNvSpPr txBox="1"/>
-          <p:nvPr/>
-        </p:nvSpPr>
-        <p:spPr>
-          <a:xfrm>
-            <a:off x="540000" y="7718612"/>
-            <a:ext cx="5778000" cy="369332"/>
-          </a:xfrm>
-          <a:prstGeom prst="rect">
-            <a:avLst/>
-          </a:prstGeom>
-          <a:noFill/>
-        </p:spPr>
-        <p:txBody>
-          <a:bodyPr wrap="square" rtlCol="0">
-            <a:spAutoFit/>
-          </a:bodyPr>
-          <a:lstStyle/>
-          <a:p>
-            <a:pPr algn="ctr"/>
-            <a:r>
-              <a:rPr kumimoji="1" lang="en-US" altLang="ja-JP" dirty="0">
-                <a:latin typeface="Times New Roman" panose="02020603050405020304" pitchFamily="18" charset="0"/>
-                <a:cs typeface="Times New Roman" panose="02020603050405020304" pitchFamily="18" charset="0"/>
-              </a:rPr>
-              <a:t>Figure </a:t>
-            </a:r>
-            <a:r>
-              <a:rPr lang="en-US" altLang="ja-JP" dirty="0">
-                <a:latin typeface="Times New Roman" panose="02020603050405020304" pitchFamily="18" charset="0"/>
-                <a:cs typeface="Times New Roman" panose="02020603050405020304" pitchFamily="18" charset="0"/>
-              </a:rPr>
-              <a:t>17. Air velocity</a:t>
-            </a:r>
-            <a:endParaRPr kumimoji="1" lang="ja-JP" altLang="en-US" dirty="0">
-              <a:latin typeface="Times New Roman" panose="02020603050405020304" pitchFamily="18" charset="0"/>
-              <a:cs typeface="Times New Roman" panose="02020603050405020304" pitchFamily="18" charset="0"/>
-            </a:endParaRPr>
-          </a:p>
-        </p:txBody>
-      </p:sp>
       <p:pic>
         <p:nvPicPr>
           <p:cNvPr id="9" name="図 8" descr="文字と数字と文字の加工写真&#10;&#10;自動的に生成された説明">
@@ -4116,6 +3941,141 @@
     <p:extLst>
       <p:ext uri="{BB962C8B-B14F-4D97-AF65-F5344CB8AC3E}">
         <p14:creationId xmlns:p14="http://schemas.microsoft.com/office/powerpoint/2010/main" val="1018302082"/>
+      </p:ext>
+    </p:extLst>
+  </p:cSld>
+  <p:clrMapOvr>
+    <a:masterClrMapping/>
+  </p:clrMapOvr>
+</p:sld>
+</file>
+
+<file path=ppt/slides/slide6.xml><?xml version="1.0" encoding="utf-8"?>
+<p:sld xmlns:a="http://schemas.openxmlformats.org/drawingml/2006/main" xmlns:r="http://schemas.openxmlformats.org/officeDocument/2006/relationships" xmlns:p="http://schemas.openxmlformats.org/presentationml/2006/main">
+  <p:cSld>
+    <p:spTree>
+      <p:nvGrpSpPr>
+        <p:cNvPr id="1" name=""/>
+        <p:cNvGrpSpPr/>
+        <p:nvPr/>
+      </p:nvGrpSpPr>
+      <p:grpSpPr>
+        <a:xfrm>
+          <a:off x="0" y="0"/>
+          <a:ext cx="0" cy="0"/>
+          <a:chOff x="0" y="0"/>
+          <a:chExt cx="0" cy="0"/>
+        </a:xfrm>
+      </p:grpSpPr>
+      <p:pic>
+        <p:nvPicPr>
+          <p:cNvPr id="9" name="図 8" descr="文字と数字と文字の加工写真&#10;&#10;自動的に生成された説明">
+            <a:extLst>
+              <a:ext uri="{FF2B5EF4-FFF2-40B4-BE49-F238E27FC236}">
+                <a16:creationId xmlns:a16="http://schemas.microsoft.com/office/drawing/2014/main" id="{4C5C4EBB-47A2-472A-AC95-5CAC9DC45249}"/>
+              </a:ext>
+            </a:extLst>
+          </p:cNvPr>
+          <p:cNvPicPr>
+            <a:picLocks noChangeAspect="1"/>
+          </p:cNvPicPr>
+          <p:nvPr/>
+        </p:nvPicPr>
+        <p:blipFill rotWithShape="1">
+          <a:blip r:embed="rId2">
+            <a:extLst>
+              <a:ext uri="{28A0092B-C50C-407E-A947-70E740481C1C}">
+                <a14:useLocalDpi xmlns:a14="http://schemas.microsoft.com/office/drawing/2010/main" val="0"/>
+              </a:ext>
+            </a:extLst>
+          </a:blip>
+          <a:srcRect l="20448" t="6475" r="22239" b="9407"/>
+          <a:stretch/>
+        </p:blipFill>
+        <p:spPr>
+          <a:xfrm>
+            <a:off x="5580000" y="860612"/>
+            <a:ext cx="993733" cy="3646218"/>
+          </a:xfrm>
+          <a:prstGeom prst="rect">
+            <a:avLst/>
+          </a:prstGeom>
+        </p:spPr>
+      </p:pic>
+      <p:pic>
+        <p:nvPicPr>
+          <p:cNvPr id="11" name="図 10" descr="時計 が含まれている画像&#10;&#10;自動的に生成された説明">
+            <a:extLst>
+              <a:ext uri="{FF2B5EF4-FFF2-40B4-BE49-F238E27FC236}">
+                <a16:creationId xmlns:a16="http://schemas.microsoft.com/office/drawing/2014/main" id="{F5C5E1C5-2596-4BE6-9168-94D23C13EE13}"/>
+              </a:ext>
+            </a:extLst>
+          </p:cNvPr>
+          <p:cNvPicPr>
+            <a:picLocks noChangeAspect="1"/>
+          </p:cNvPicPr>
+          <p:nvPr/>
+        </p:nvPicPr>
+        <p:blipFill rotWithShape="1">
+          <a:blip r:embed="rId3">
+            <a:extLst>
+              <a:ext uri="{28A0092B-C50C-407E-A947-70E740481C1C}">
+                <a14:useLocalDpi xmlns:a14="http://schemas.microsoft.com/office/drawing/2010/main" val="0"/>
+              </a:ext>
+            </a:extLst>
+          </a:blip>
+          <a:srcRect l="20448" t="10314" r="22239" b="7836"/>
+          <a:stretch/>
+        </p:blipFill>
+        <p:spPr>
+          <a:xfrm>
+            <a:off x="5648781" y="4289612"/>
+            <a:ext cx="924952" cy="3302402"/>
+          </a:xfrm>
+          <a:prstGeom prst="rect">
+            <a:avLst/>
+          </a:prstGeom>
+        </p:spPr>
+      </p:pic>
+      <p:pic>
+        <p:nvPicPr>
+          <p:cNvPr id="4" name="図 3" descr="建物 が含まれている画像&#10;&#10;自動的に生成された説明">
+            <a:extLst>
+              <a:ext uri="{FF2B5EF4-FFF2-40B4-BE49-F238E27FC236}">
+                <a16:creationId xmlns:a16="http://schemas.microsoft.com/office/drawing/2014/main" id="{D0F18B7D-E38E-438E-9949-616BEE53474F}"/>
+              </a:ext>
+            </a:extLst>
+          </p:cNvPr>
+          <p:cNvPicPr>
+            <a:picLocks noChangeAspect="1"/>
+          </p:cNvPicPr>
+          <p:nvPr/>
+        </p:nvPicPr>
+        <p:blipFill rotWithShape="1">
+          <a:blip r:embed="rId4">
+            <a:extLst>
+              <a:ext uri="{28A0092B-C50C-407E-A947-70E740481C1C}">
+                <a14:useLocalDpi xmlns:a14="http://schemas.microsoft.com/office/drawing/2010/main" val="0"/>
+              </a:ext>
+            </a:extLst>
+          </a:blip>
+          <a:srcRect l="23024"/>
+          <a:stretch/>
+        </p:blipFill>
+        <p:spPr>
+          <a:xfrm>
+            <a:off x="300948" y="860612"/>
+            <a:ext cx="5279052" cy="6858000"/>
+          </a:xfrm>
+          <a:prstGeom prst="rect">
+            <a:avLst/>
+          </a:prstGeom>
+        </p:spPr>
+      </p:pic>
+    </p:spTree>
+    <p:extLst>
+      <p:ext uri="{BB962C8B-B14F-4D97-AF65-F5344CB8AC3E}">
+        <p14:creationId xmlns:p14="http://schemas.microsoft.com/office/powerpoint/2010/main" val="229230737"/>
       </p:ext>
     </p:extLst>
   </p:cSld>
